--- a/Session Data Concept.pptx
+++ b/Session Data Concept.pptx
@@ -105,6 +105,11 @@
       </a:defRPr>
     </a:lvl9pPr>
   </p:defaultTextStyle>
+  <p:extLst>
+    <p:ext uri="{EFAFB233-063F-42B5-8137-9DF3F51BA10A}">
+      <p15:sldGuideLst xmlns:p15="http://schemas.microsoft.com/office/powerpoint/2012/main"/>
+    </p:ext>
+  </p:extLst>
 </p:presentation>
 </file>
 
@@ -239,7 +244,7 @@
           <a:p>
             <a:fld id="{A5421B2E-6E9B-4BE4-9F44-9967BA7714CB}" type="datetimeFigureOut">
               <a:rPr lang="en-US" smtClean="0"/>
-              <a:t>6/27/2014</a:t>
+              <a:t>6/30/2014</a:t>
             </a:fld>
             <a:endParaRPr lang="en-US"/>
           </a:p>
@@ -409,7 +414,7 @@
           <a:p>
             <a:fld id="{A5421B2E-6E9B-4BE4-9F44-9967BA7714CB}" type="datetimeFigureOut">
               <a:rPr lang="en-US" smtClean="0"/>
-              <a:t>6/27/2014</a:t>
+              <a:t>6/30/2014</a:t>
             </a:fld>
             <a:endParaRPr lang="en-US"/>
           </a:p>
@@ -589,7 +594,7 @@
           <a:p>
             <a:fld id="{A5421B2E-6E9B-4BE4-9F44-9967BA7714CB}" type="datetimeFigureOut">
               <a:rPr lang="en-US" smtClean="0"/>
-              <a:t>6/27/2014</a:t>
+              <a:t>6/30/2014</a:t>
             </a:fld>
             <a:endParaRPr lang="en-US"/>
           </a:p>
@@ -759,7 +764,7 @@
           <a:p>
             <a:fld id="{A5421B2E-6E9B-4BE4-9F44-9967BA7714CB}" type="datetimeFigureOut">
               <a:rPr lang="en-US" smtClean="0"/>
-              <a:t>6/27/2014</a:t>
+              <a:t>6/30/2014</a:t>
             </a:fld>
             <a:endParaRPr lang="en-US"/>
           </a:p>
@@ -1005,7 +1010,7 @@
           <a:p>
             <a:fld id="{A5421B2E-6E9B-4BE4-9F44-9967BA7714CB}" type="datetimeFigureOut">
               <a:rPr lang="en-US" smtClean="0"/>
-              <a:t>6/27/2014</a:t>
+              <a:t>6/30/2014</a:t>
             </a:fld>
             <a:endParaRPr lang="en-US"/>
           </a:p>
@@ -1237,7 +1242,7 @@
           <a:p>
             <a:fld id="{A5421B2E-6E9B-4BE4-9F44-9967BA7714CB}" type="datetimeFigureOut">
               <a:rPr lang="en-US" smtClean="0"/>
-              <a:t>6/27/2014</a:t>
+              <a:t>6/30/2014</a:t>
             </a:fld>
             <a:endParaRPr lang="en-US"/>
           </a:p>
@@ -1604,7 +1609,7 @@
           <a:p>
             <a:fld id="{A5421B2E-6E9B-4BE4-9F44-9967BA7714CB}" type="datetimeFigureOut">
               <a:rPr lang="en-US" smtClean="0"/>
-              <a:t>6/27/2014</a:t>
+              <a:t>6/30/2014</a:t>
             </a:fld>
             <a:endParaRPr lang="en-US"/>
           </a:p>
@@ -1722,7 +1727,7 @@
           <a:p>
             <a:fld id="{A5421B2E-6E9B-4BE4-9F44-9967BA7714CB}" type="datetimeFigureOut">
               <a:rPr lang="en-US" smtClean="0"/>
-              <a:t>6/27/2014</a:t>
+              <a:t>6/30/2014</a:t>
             </a:fld>
             <a:endParaRPr lang="en-US"/>
           </a:p>
@@ -1817,7 +1822,7 @@
           <a:p>
             <a:fld id="{A5421B2E-6E9B-4BE4-9F44-9967BA7714CB}" type="datetimeFigureOut">
               <a:rPr lang="en-US" smtClean="0"/>
-              <a:t>6/27/2014</a:t>
+              <a:t>6/30/2014</a:t>
             </a:fld>
             <a:endParaRPr lang="en-US"/>
           </a:p>
@@ -2094,7 +2099,7 @@
           <a:p>
             <a:fld id="{A5421B2E-6E9B-4BE4-9F44-9967BA7714CB}" type="datetimeFigureOut">
               <a:rPr lang="en-US" smtClean="0"/>
-              <a:t>6/27/2014</a:t>
+              <a:t>6/30/2014</a:t>
             </a:fld>
             <a:endParaRPr lang="en-US"/>
           </a:p>
@@ -2347,7 +2352,7 @@
           <a:p>
             <a:fld id="{A5421B2E-6E9B-4BE4-9F44-9967BA7714CB}" type="datetimeFigureOut">
               <a:rPr lang="en-US" smtClean="0"/>
-              <a:t>6/27/2014</a:t>
+              <a:t>6/30/2014</a:t>
             </a:fld>
             <a:endParaRPr lang="en-US"/>
           </a:p>
@@ -2560,7 +2565,7 @@
           <a:p>
             <a:fld id="{A5421B2E-6E9B-4BE4-9F44-9967BA7714CB}" type="datetimeFigureOut">
               <a:rPr lang="en-US" smtClean="0"/>
-              <a:t>6/27/2014</a:t>
+              <a:t>6/30/2014</a:t>
             </a:fld>
             <a:endParaRPr lang="en-US"/>
           </a:p>
@@ -3003,7 +3008,15 @@
             <a:pPr algn="ctr"/>
             <a:r>
               <a:rPr lang="en-US" dirty="0" smtClean="0"/>
-              <a:t>Session: Class A</a:t>
+              <a:t>Session 1: </a:t>
+            </a:r>
+            <a:r>
+              <a:rPr lang="en-US" dirty="0" smtClean="0"/>
+              <a:t>Class </a:t>
+            </a:r>
+            <a:r>
+              <a:rPr lang="en-US" dirty="0"/>
+              <a:t>A</a:t>
             </a:r>
             <a:endParaRPr lang="en-US" dirty="0"/>
           </a:p>
@@ -3426,8 +3439,8 @@
         </p:nvSpPr>
         <p:spPr>
           <a:xfrm>
-            <a:off x="7064130" y="2716823"/>
-            <a:ext cx="1029684" cy="685800"/>
+            <a:off x="3599961" y="4451494"/>
+            <a:ext cx="1352061" cy="685800"/>
           </a:xfrm>
           <a:prstGeom prst="roundRect">
             <a:avLst/>
@@ -3456,7 +3469,15 @@
             <a:pPr algn="ctr"/>
             <a:r>
               <a:rPr lang="en-US" dirty="0" smtClean="0"/>
-              <a:t>Session: Class A</a:t>
+              <a:t>Session 2: </a:t>
+            </a:r>
+            <a:r>
+              <a:rPr lang="en-US" dirty="0" smtClean="0"/>
+              <a:t>Class </a:t>
+            </a:r>
+            <a:r>
+              <a:rPr lang="en-US" dirty="0" smtClean="0"/>
+              <a:t>A</a:t>
             </a:r>
             <a:endParaRPr lang="en-US" dirty="0"/>
           </a:p>
@@ -3470,7 +3491,7 @@
         </p:nvSpPr>
         <p:spPr>
           <a:xfrm>
-            <a:off x="8093814" y="2716823"/>
+            <a:off x="4960816" y="4477871"/>
             <a:ext cx="720969" cy="633046"/>
           </a:xfrm>
           <a:prstGeom prst="hexagon">
@@ -3517,7 +3538,7 @@
         </p:nvSpPr>
         <p:spPr>
           <a:xfrm>
-            <a:off x="6295291" y="2716823"/>
+            <a:off x="2831123" y="4451494"/>
             <a:ext cx="738554" cy="685800"/>
           </a:xfrm>
           <a:prstGeom prst="ellipse">
@@ -3564,7 +3585,7 @@
         </p:nvSpPr>
         <p:spPr>
           <a:xfrm>
-            <a:off x="8252076" y="3455377"/>
+            <a:off x="5029690" y="5190048"/>
             <a:ext cx="562707" cy="633046"/>
           </a:xfrm>
           <a:prstGeom prst="roundRect">
@@ -3613,7 +3634,7 @@
         </p:nvSpPr>
         <p:spPr>
           <a:xfrm>
-            <a:off x="7064130" y="3455377"/>
+            <a:off x="3683000" y="5190048"/>
             <a:ext cx="562707" cy="633046"/>
           </a:xfrm>
           <a:prstGeom prst="roundRect">
@@ -3671,7 +3692,7 @@
         </p:nvSpPr>
         <p:spPr>
           <a:xfrm>
-            <a:off x="6465274" y="3455377"/>
+            <a:off x="3001106" y="5190048"/>
             <a:ext cx="562707" cy="633046"/>
           </a:xfrm>
           <a:prstGeom prst="roundRect">
@@ -3720,7 +3741,7 @@
         </p:nvSpPr>
         <p:spPr>
           <a:xfrm>
-            <a:off x="7658103" y="3455377"/>
+            <a:off x="4364894" y="5190048"/>
             <a:ext cx="562707" cy="633046"/>
           </a:xfrm>
           <a:prstGeom prst="roundRect">
@@ -3844,7 +3865,11 @@
           <a:p>
             <a:r>
               <a:rPr lang="en-US" dirty="0" smtClean="0"/>
-              <a:t>Class Structure Data</a:t>
+              <a:t>Class Structure </a:t>
+            </a:r>
+            <a:r>
+              <a:rPr lang="en-US" dirty="0" smtClean="0"/>
+              <a:t>Data</a:t>
             </a:r>
           </a:p>
           <a:p>
@@ -3886,6 +3911,7 @@
               <a:rPr lang="en-US" dirty="0" smtClean="0"/>
               <a:t>Response for Class</a:t>
             </a:r>
+            <a:endParaRPr lang="en-US" dirty="0" smtClean="0"/>
           </a:p>
         </p:txBody>
       </p:sp>
